--- a/Exam 2 Lectures/13c_TrustedIntermediaries.pptx
+++ b/Exam 2 Lectures/13c_TrustedIntermediaries.pptx
@@ -388,7 +388,7 @@
             <a:fld id="{E378E40D-984F-431B-8014-9C818D1BCC55}" type="datetimeFigureOut">
               <a:rPr lang="en-US" smtClean="0"/>
               <a:pPr/>
-              <a:t>11/27/18</a:t>
+              <a:t>12/11/18</a:t>
             </a:fld>
             <a:endParaRPr lang="en-US"/>
           </a:p>
@@ -3918,7 +3918,7 @@
             <a:fld id="{76CBC3B5-945D-4F41-A060-B988EFE9A18F}" type="datetimeFigureOut">
               <a:rPr lang="en-US" smtClean="0"/>
               <a:pPr/>
-              <a:t>11/27/18</a:t>
+              <a:t>12/11/18</a:t>
             </a:fld>
             <a:endParaRPr lang="en-US"/>
           </a:p>
@@ -4083,7 +4083,7 @@
             <a:fld id="{76CBC3B5-945D-4F41-A060-B988EFE9A18F}" type="datetimeFigureOut">
               <a:rPr lang="en-US" smtClean="0"/>
               <a:pPr/>
-              <a:t>11/27/18</a:t>
+              <a:t>12/11/18</a:t>
             </a:fld>
             <a:endParaRPr lang="en-US"/>
           </a:p>
@@ -4258,7 +4258,7 @@
             <a:fld id="{76CBC3B5-945D-4F41-A060-B988EFE9A18F}" type="datetimeFigureOut">
               <a:rPr lang="en-US" smtClean="0"/>
               <a:pPr/>
-              <a:t>11/27/18</a:t>
+              <a:t>12/11/18</a:t>
             </a:fld>
             <a:endParaRPr lang="en-US"/>
           </a:p>
@@ -4423,7 +4423,7 @@
             <a:fld id="{76CBC3B5-945D-4F41-A060-B988EFE9A18F}" type="datetimeFigureOut">
               <a:rPr lang="en-US" smtClean="0"/>
               <a:pPr/>
-              <a:t>11/27/18</a:t>
+              <a:t>12/11/18</a:t>
             </a:fld>
             <a:endParaRPr lang="en-US"/>
           </a:p>
@@ -4665,7 +4665,7 @@
             <a:fld id="{76CBC3B5-945D-4F41-A060-B988EFE9A18F}" type="datetimeFigureOut">
               <a:rPr lang="en-US" smtClean="0"/>
               <a:pPr/>
-              <a:t>11/27/18</a:t>
+              <a:t>12/11/18</a:t>
             </a:fld>
             <a:endParaRPr lang="en-US"/>
           </a:p>
@@ -4947,7 +4947,7 @@
             <a:fld id="{76CBC3B5-945D-4F41-A060-B988EFE9A18F}" type="datetimeFigureOut">
               <a:rPr lang="en-US" smtClean="0"/>
               <a:pPr/>
-              <a:t>11/27/18</a:t>
+              <a:t>12/11/18</a:t>
             </a:fld>
             <a:endParaRPr lang="en-US"/>
           </a:p>
@@ -5363,7 +5363,7 @@
             <a:fld id="{76CBC3B5-945D-4F41-A060-B988EFE9A18F}" type="datetimeFigureOut">
               <a:rPr lang="en-US" smtClean="0"/>
               <a:pPr/>
-              <a:t>11/27/18</a:t>
+              <a:t>12/11/18</a:t>
             </a:fld>
             <a:endParaRPr lang="en-US"/>
           </a:p>
@@ -5477,7 +5477,7 @@
             <a:fld id="{76CBC3B5-945D-4F41-A060-B988EFE9A18F}" type="datetimeFigureOut">
               <a:rPr lang="en-US" smtClean="0"/>
               <a:pPr/>
-              <a:t>11/27/18</a:t>
+              <a:t>12/11/18</a:t>
             </a:fld>
             <a:endParaRPr lang="en-US"/>
           </a:p>
@@ -5569,7 +5569,7 @@
             <a:fld id="{76CBC3B5-945D-4F41-A060-B988EFE9A18F}" type="datetimeFigureOut">
               <a:rPr lang="en-US" smtClean="0"/>
               <a:pPr/>
-              <a:t>11/27/18</a:t>
+              <a:t>12/11/18</a:t>
             </a:fld>
             <a:endParaRPr lang="en-US"/>
           </a:p>
@@ -5841,7 +5841,7 @@
             <a:fld id="{76CBC3B5-945D-4F41-A060-B988EFE9A18F}" type="datetimeFigureOut">
               <a:rPr lang="en-US" smtClean="0"/>
               <a:pPr/>
-              <a:t>11/27/18</a:t>
+              <a:t>12/11/18</a:t>
             </a:fld>
             <a:endParaRPr lang="en-US"/>
           </a:p>
@@ -6090,7 +6090,7 @@
             <a:fld id="{76CBC3B5-945D-4F41-A060-B988EFE9A18F}" type="datetimeFigureOut">
               <a:rPr lang="en-US" smtClean="0"/>
               <a:pPr/>
-              <a:t>11/27/18</a:t>
+              <a:t>12/11/18</a:t>
             </a:fld>
             <a:endParaRPr lang="en-US"/>
           </a:p>
@@ -6298,7 +6298,7 @@
             <a:fld id="{76CBC3B5-945D-4F41-A060-B988EFE9A18F}" type="datetimeFigureOut">
               <a:rPr lang="en-US" smtClean="0"/>
               <a:pPr/>
-              <a:t>11/27/18</a:t>
+              <a:t>12/11/18</a:t>
             </a:fld>
             <a:endParaRPr lang="en-US"/>
           </a:p>
